--- a/Documents/SystemStructure.pptx
+++ b/Documents/SystemStructure.pptx
@@ -8325,15 +8325,7 @@
                   <a:schemeClr val="tx1"/>
                 </a:solidFill>
               </a:rPr>
-              <a:t>Check Loging </a:t>
-            </a:r>
-            <a:r>
-              <a:rPr lang="en-US" altLang="ja-JP" b="1" dirty="0" err="1">
-                <a:solidFill>
-                  <a:schemeClr val="tx1"/>
-                </a:solidFill>
-              </a:rPr>
-              <a:t>Trg</a:t>
+              <a:t>Check Logging Tr</a:t>
             </a:r>
             <a:endParaRPr kumimoji="1" lang="ja-JP" altLang="en-US" b="1" dirty="0">
               <a:solidFill>
@@ -8388,25 +8380,25 @@
           <p:nvPr>
             <p:extLst>
               <p:ext uri="{D42A27DB-BD31-4B8C-83A1-F6EECF244321}">
-                <p14:modId xmlns:p14="http://schemas.microsoft.com/office/powerpoint/2010/main" val="160179392"/>
+                <p14:modId xmlns:p14="http://schemas.microsoft.com/office/powerpoint/2010/main" val="3079073204"/>
               </p:ext>
             </p:extLst>
           </p:nvPr>
         </p:nvGraphicFramePr>
         <p:xfrm>
           <a:off x="360363" y="360363"/>
-          <a:ext cx="2065337" cy="2054225"/>
+          <a:ext cx="2065337" cy="2346325"/>
         </p:xfrm>
         <a:graphic>
           <a:graphicData uri="http://schemas.openxmlformats.org/presentationml/2006/ole">
             <mc:AlternateContent xmlns:mc="http://schemas.openxmlformats.org/markup-compatibility/2006">
               <mc:Choice xmlns:v="urn:schemas-microsoft-com:vml" Requires="v">
-                <p:oleObj name="Worksheet" r:id="rId2" imgW="1615499" imgH="1607864" progId="Excel.Sheet.12">
+                <p:oleObj name="Worksheet" r:id="rId2" imgW="1615499" imgH="1836200" progId="Excel.Sheet.12">
                   <p:embed/>
                 </p:oleObj>
               </mc:Choice>
               <mc:Fallback>
-                <p:oleObj name="Worksheet" r:id="rId2" imgW="1615499" imgH="1607864" progId="Excel.Sheet.12">
+                <p:oleObj name="Worksheet" r:id="rId2" imgW="1615499" imgH="1836200" progId="Excel.Sheet.12">
                   <p:embed/>
                   <p:pic>
                     <p:nvPicPr>
@@ -8423,7 +8415,76 @@
                     <p:spPr>
                       <a:xfrm>
                         <a:off x="360363" y="360363"/>
-                        <a:ext cx="2065337" cy="2054225"/>
+                        <a:ext cx="2065337" cy="2346325"/>
+                      </a:xfrm>
+                      <a:prstGeom prst="rect">
+                        <a:avLst/>
+                      </a:prstGeom>
+                    </p:spPr>
+                  </p:pic>
+                </p:oleObj>
+              </mc:Fallback>
+            </mc:AlternateContent>
+          </a:graphicData>
+        </a:graphic>
+      </p:graphicFrame>
+      <p:graphicFrame>
+        <p:nvGraphicFramePr>
+          <p:cNvPr id="2" name="オブジェクト 1">
+            <a:extLst>
+              <a:ext uri="{FF2B5EF4-FFF2-40B4-BE49-F238E27FC236}">
+                <a16:creationId xmlns:a16="http://schemas.microsoft.com/office/drawing/2014/main" id="{6ED2F78B-D91F-3FC5-563F-69E11C24A47B}"/>
+              </a:ext>
+            </a:extLst>
+          </p:cNvPr>
+          <p:cNvGraphicFramePr>
+            <a:graphicFrameLocks noChangeAspect="1"/>
+          </p:cNvGraphicFramePr>
+          <p:nvPr>
+            <p:extLst>
+              <p:ext uri="{D42A27DB-BD31-4B8C-83A1-F6EECF244321}">
+                <p14:modId xmlns:p14="http://schemas.microsoft.com/office/powerpoint/2010/main" val="3209326287"/>
+              </p:ext>
+            </p:extLst>
+          </p:nvPr>
+        </p:nvGraphicFramePr>
+        <p:xfrm>
+          <a:off x="2879725" y="360363"/>
+          <a:ext cx="6742113" cy="2930525"/>
+        </p:xfrm>
+        <a:graphic>
+          <a:graphicData uri="http://schemas.openxmlformats.org/presentationml/2006/ole">
+            <mc:AlternateContent xmlns:mc="http://schemas.openxmlformats.org/markup-compatibility/2006">
+              <mc:Choice xmlns:v="urn:schemas-microsoft-com:vml" Requires="v">
+                <p:oleObj name="Worksheet" r:id="rId4" imgW="5273099" imgH="2293823" progId="Excel.Sheet.12">
+                  <p:embed/>
+                </p:oleObj>
+              </mc:Choice>
+              <mc:Fallback>
+                <p:oleObj name="Worksheet" r:id="rId4" imgW="5273099" imgH="2293823" progId="Excel.Sheet.12">
+                  <p:embed/>
+                  <p:pic>
+                    <p:nvPicPr>
+                      <p:cNvPr id="4" name="オブジェクト 3">
+                        <a:extLst>
+                          <a:ext uri="{FF2B5EF4-FFF2-40B4-BE49-F238E27FC236}">
+                            <a16:creationId xmlns:a16="http://schemas.microsoft.com/office/drawing/2014/main" id="{CFDE9210-9F6E-C892-F6FE-25E3DCDC0680}"/>
+                          </a:ext>
+                        </a:extLst>
+                      </p:cNvPr>
+                      <p:cNvPicPr/>
+                      <p:nvPr/>
+                    </p:nvPicPr>
+                    <p:blipFill>
+                      <a:blip r:embed="rId5"/>
+                      <a:stretch>
+                        <a:fillRect/>
+                      </a:stretch>
+                    </p:blipFill>
+                    <p:spPr>
+                      <a:xfrm>
+                        <a:off x="2879725" y="360363"/>
+                        <a:ext cx="6742113" cy="2930525"/>
                       </a:xfrm>
                       <a:prstGeom prst="rect">
                         <a:avLst/>
